--- a/Docs/digital_artifact.pptx
+++ b/Docs/digital_artifact.pptx
@@ -6,6 +6,7 @@
   </p:sldMasterIdLst>
   <p:sldIdLst>
     <p:sldId id="256" r:id="rId2"/>
+    <p:sldId id="257" r:id="rId3"/>
   </p:sldIdLst>
   <p:sldSz cx="12192000" cy="6858000"/>
   <p:notesSz cx="6858000" cy="9144000"/>
@@ -3323,10 +3324,10 @@
       </p:grpSpPr>
       <p:pic>
         <p:nvPicPr>
-          <p:cNvPr id="5" name="Picture 4">
-            <a:extLst>
-              <a:ext uri="{FF2B5EF4-FFF2-40B4-BE49-F238E27FC236}">
-                <a16:creationId xmlns:a16="http://schemas.microsoft.com/office/drawing/2014/main" id="{DF9C52CB-82AF-924A-4FC7-12028E4C86FA}"/>
+          <p:cNvPr id="51" name="Picture 50">
+            <a:extLst>
+              <a:ext uri="{FF2B5EF4-FFF2-40B4-BE49-F238E27FC236}">
+                <a16:creationId xmlns:a16="http://schemas.microsoft.com/office/drawing/2014/main" id="{1E969E9A-4D7C-BECA-5922-669DD91FB9D8}"/>
               </a:ext>
             </a:extLst>
           </p:cNvPr>
@@ -3336,21 +3337,15 @@
           <p:nvPr/>
         </p:nvPicPr>
         <p:blipFill>
-          <a:blip r:embed="rId2">
-            <a:extLst>
-              <a:ext uri="{28A0092B-C50C-407E-A947-70E740481C1C}">
-                <a14:useLocalDpi xmlns:a14="http://schemas.microsoft.com/office/drawing/2010/main" val="0"/>
-              </a:ext>
-            </a:extLst>
-          </a:blip>
+          <a:blip r:embed="rId2"/>
           <a:stretch>
             <a:fillRect/>
           </a:stretch>
         </p:blipFill>
         <p:spPr>
           <a:xfrm>
-            <a:off x="3342089" y="599343"/>
-            <a:ext cx="5507821" cy="5659314"/>
+            <a:off x="3058086" y="352697"/>
+            <a:ext cx="5749255" cy="6152606"/>
           </a:xfrm>
           <a:prstGeom prst="rect">
             <a:avLst/>
@@ -3373,8 +3368,8 @@
         </p:nvCxnSpPr>
         <p:spPr>
           <a:xfrm>
-            <a:off x="2917195" y="1386839"/>
-            <a:ext cx="1230262" cy="664029"/>
+            <a:off x="2881560" y="1386839"/>
+            <a:ext cx="1184542" cy="485113"/>
           </a:xfrm>
           <a:prstGeom prst="straightConnector1">
             <a:avLst/>
@@ -3410,13 +3405,15 @@
               </a:ext>
             </a:extLst>
           </p:cNvPr>
-          <p:cNvCxnSpPr/>
+          <p:cNvCxnSpPr>
+            <a:cxnSpLocks/>
+          </p:cNvCxnSpPr>
           <p:nvPr/>
         </p:nvCxnSpPr>
         <p:spPr>
           <a:xfrm>
-            <a:off x="2917195" y="1801583"/>
-            <a:ext cx="920931" cy="529045"/>
+            <a:off x="2881560" y="1801583"/>
+            <a:ext cx="910221" cy="366776"/>
           </a:xfrm>
           <a:prstGeom prst="straightConnector1">
             <a:avLst/>
@@ -3459,8 +3456,8 @@
         </p:nvCxnSpPr>
         <p:spPr>
           <a:xfrm>
-            <a:off x="2917195" y="2997926"/>
-            <a:ext cx="1493697" cy="792479"/>
+            <a:off x="2881560" y="2997926"/>
+            <a:ext cx="1184542" cy="407587"/>
           </a:xfrm>
           <a:prstGeom prst="straightConnector1">
             <a:avLst/>
@@ -3498,13 +3495,14 @@
           </p:cNvPr>
           <p:cNvCxnSpPr>
             <a:cxnSpLocks/>
+            <a:stCxn id="47" idx="3"/>
           </p:cNvCxnSpPr>
           <p:nvPr/>
         </p:nvCxnSpPr>
         <p:spPr>
           <a:xfrm>
-            <a:off x="2995748" y="4527373"/>
-            <a:ext cx="1663337" cy="856070"/>
+            <a:off x="2878044" y="4534458"/>
+            <a:ext cx="1445623" cy="490676"/>
           </a:xfrm>
           <a:prstGeom prst="straightConnector1">
             <a:avLst/>
@@ -3542,13 +3540,14 @@
           </p:cNvPr>
           <p:cNvCxnSpPr>
             <a:cxnSpLocks/>
+            <a:stCxn id="49" idx="1"/>
           </p:cNvCxnSpPr>
           <p:nvPr/>
         </p:nvCxnSpPr>
         <p:spPr>
           <a:xfrm flipH="1">
-            <a:off x="7781110" y="2997926"/>
-            <a:ext cx="1317170" cy="1116872"/>
+            <a:off x="7294693" y="2984749"/>
+            <a:ext cx="1692690" cy="1247705"/>
           </a:xfrm>
           <a:prstGeom prst="straightConnector1">
             <a:avLst/>
@@ -3586,13 +3585,14 @@
           </p:cNvPr>
           <p:cNvCxnSpPr>
             <a:cxnSpLocks/>
+            <a:stCxn id="48" idx="1"/>
           </p:cNvCxnSpPr>
           <p:nvPr/>
         </p:nvCxnSpPr>
         <p:spPr>
           <a:xfrm flipH="1">
-            <a:off x="7878907" y="2295795"/>
-            <a:ext cx="1219373" cy="976448"/>
+            <a:off x="7671451" y="2512365"/>
+            <a:ext cx="1312416" cy="1002210"/>
           </a:xfrm>
           <a:prstGeom prst="straightConnector1">
             <a:avLst/>
@@ -3635,8 +3635,8 @@
         </p:nvCxnSpPr>
         <p:spPr>
           <a:xfrm>
-            <a:off x="2917195" y="2153192"/>
-            <a:ext cx="2059928" cy="1127763"/>
+            <a:off x="2881560" y="2153192"/>
+            <a:ext cx="1741890" cy="701042"/>
           </a:xfrm>
           <a:prstGeom prst="straightConnector1">
             <a:avLst/>
@@ -3677,8 +3677,8 @@
         </p:nvSpPr>
         <p:spPr>
           <a:xfrm>
-            <a:off x="872533" y="1151011"/>
-            <a:ext cx="2044662" cy="369332"/>
+            <a:off x="628186" y="1146733"/>
+            <a:ext cx="2253374" cy="400110"/>
           </a:xfrm>
           <a:prstGeom prst="rect">
             <a:avLst/>
@@ -3692,7 +3692,7 @@
           <a:lstStyle/>
           <a:p>
             <a:r>
-              <a:rPr lang="en-US" dirty="0"/>
+              <a:rPr lang="en-US" sz="2000" dirty="0"/>
               <a:t>Tactile switch board</a:t>
             </a:r>
           </a:p>
@@ -3712,8 +3712,8 @@
         </p:nvSpPr>
         <p:spPr>
           <a:xfrm>
-            <a:off x="1147736" y="1571505"/>
-            <a:ext cx="1769459" cy="369332"/>
+            <a:off x="939618" y="1577745"/>
+            <a:ext cx="1941942" cy="400110"/>
           </a:xfrm>
           <a:prstGeom prst="rect">
             <a:avLst/>
@@ -3727,7 +3727,7 @@
           <a:lstStyle/>
           <a:p>
             <a:r>
-              <a:rPr lang="en-US" dirty="0"/>
+              <a:rPr lang="en-US" sz="2000" dirty="0"/>
               <a:t>Connector board</a:t>
             </a:r>
           </a:p>
@@ -3747,8 +3747,8 @@
         </p:nvSpPr>
         <p:spPr>
           <a:xfrm>
-            <a:off x="1421062" y="1945618"/>
-            <a:ext cx="1484894" cy="369332"/>
+            <a:off x="1252909" y="1943920"/>
+            <a:ext cx="1628651" cy="400110"/>
           </a:xfrm>
           <a:prstGeom prst="rect">
             <a:avLst/>
@@ -3762,7 +3762,7 @@
           <a:lstStyle/>
           <a:p>
             <a:r>
-              <a:rPr lang="en-US" dirty="0"/>
+              <a:rPr lang="en-US" sz="2000" dirty="0"/>
               <a:t>100mAh Li-Po</a:t>
             </a:r>
           </a:p>
@@ -3782,8 +3782,8 @@
         </p:nvSpPr>
         <p:spPr>
           <a:xfrm>
-            <a:off x="617637" y="2784019"/>
-            <a:ext cx="2288319" cy="369332"/>
+            <a:off x="360229" y="2784988"/>
+            <a:ext cx="2521331" cy="400110"/>
           </a:xfrm>
           <a:prstGeom prst="rect">
             <a:avLst/>
@@ -3797,7 +3797,7 @@
           <a:lstStyle/>
           <a:p>
             <a:r>
-              <a:rPr lang="en-US" dirty="0"/>
+              <a:rPr lang="en-US" sz="2000" dirty="0"/>
               <a:t>Linear vibration motor</a:t>
             </a:r>
           </a:p>
@@ -3817,8 +3817,8 @@
         </p:nvSpPr>
         <p:spPr>
           <a:xfrm>
-            <a:off x="925624" y="4342707"/>
-            <a:ext cx="1991571" cy="369332"/>
+            <a:off x="687316" y="4334403"/>
+            <a:ext cx="2190728" cy="400110"/>
           </a:xfrm>
           <a:prstGeom prst="rect">
             <a:avLst/>
@@ -3832,7 +3832,7 @@
           <a:lstStyle/>
           <a:p>
             <a:r>
-              <a:rPr lang="en-US" dirty="0"/>
+              <a:rPr lang="en-US" sz="2000" dirty="0"/>
               <a:t>Main control board</a:t>
             </a:r>
           </a:p>
@@ -3852,8 +3852,8 @@
         </p:nvSpPr>
         <p:spPr>
           <a:xfrm>
-            <a:off x="9098280" y="2066105"/>
-            <a:ext cx="953787" cy="369332"/>
+            <a:off x="8983867" y="2312310"/>
+            <a:ext cx="1038554" cy="400110"/>
           </a:xfrm>
           <a:prstGeom prst="rect">
             <a:avLst/>
@@ -3867,7 +3867,7 @@
           <a:lstStyle/>
           <a:p>
             <a:r>
-              <a:rPr lang="en-US" dirty="0"/>
+              <a:rPr lang="en-US" sz="2000" dirty="0"/>
               <a:t>Encoder</a:t>
             </a:r>
           </a:p>
@@ -3887,8 +3887,8 @@
         </p:nvSpPr>
         <p:spPr>
           <a:xfrm>
-            <a:off x="9098280" y="2755714"/>
-            <a:ext cx="900118" cy="369332"/>
+            <a:off x="8987383" y="2784694"/>
+            <a:ext cx="982770" cy="400110"/>
           </a:xfrm>
           <a:prstGeom prst="rect">
             <a:avLst/>
@@ -3902,8 +3902,367 @@
           <a:lstStyle/>
           <a:p>
             <a:r>
-              <a:rPr lang="en-US" dirty="0"/>
+              <a:rPr lang="en-US" sz="2000" dirty="0"/>
               <a:t>Joystick</a:t>
+            </a:r>
+          </a:p>
+        </p:txBody>
+      </p:sp>
+      <p:sp>
+        <p:nvSpPr>
+          <p:cNvPr id="63" name="TextBox 62">
+            <a:extLst>
+              <a:ext uri="{FF2B5EF4-FFF2-40B4-BE49-F238E27FC236}">
+                <a16:creationId xmlns:a16="http://schemas.microsoft.com/office/drawing/2014/main" id="{B9FD7771-DBAE-BD67-F5D6-B8A070D7A538}"/>
+              </a:ext>
+            </a:extLst>
+          </p:cNvPr>
+          <p:cNvSpPr txBox="1"/>
+          <p:nvPr/>
+        </p:nvSpPr>
+        <p:spPr>
+          <a:xfrm>
+            <a:off x="8983867" y="1884846"/>
+            <a:ext cx="1414170" cy="400110"/>
+          </a:xfrm>
+          <a:prstGeom prst="rect">
+            <a:avLst/>
+          </a:prstGeom>
+          <a:noFill/>
+        </p:spPr>
+        <p:txBody>
+          <a:bodyPr wrap="none" rtlCol="0">
+            <a:spAutoFit/>
+          </a:bodyPr>
+          <a:lstStyle/>
+          <a:p>
+            <a:r>
+              <a:rPr lang="en-US" sz="2000" dirty="0"/>
+              <a:t>Ball bearing</a:t>
+            </a:r>
+          </a:p>
+        </p:txBody>
+      </p:sp>
+      <p:cxnSp>
+        <p:nvCxnSpPr>
+          <p:cNvPr id="64" name="Straight Arrow Connector 63">
+            <a:extLst>
+              <a:ext uri="{FF2B5EF4-FFF2-40B4-BE49-F238E27FC236}">
+                <a16:creationId xmlns:a16="http://schemas.microsoft.com/office/drawing/2014/main" id="{B90EB86F-6B25-32C0-8188-49265FD794B1}"/>
+              </a:ext>
+            </a:extLst>
+          </p:cNvPr>
+          <p:cNvCxnSpPr>
+            <a:cxnSpLocks/>
+            <a:stCxn id="63" idx="1"/>
+          </p:cNvCxnSpPr>
+          <p:nvPr/>
+        </p:nvCxnSpPr>
+        <p:spPr>
+          <a:xfrm flipH="1">
+            <a:off x="7913114" y="2084901"/>
+            <a:ext cx="1070753" cy="769333"/>
+          </a:xfrm>
+          <a:prstGeom prst="straightConnector1">
+            <a:avLst/>
+          </a:prstGeom>
+          <a:ln w="38100">
+            <a:solidFill>
+              <a:srgbClr val="FF0000"/>
+            </a:solidFill>
+            <a:tailEnd type="triangle"/>
+          </a:ln>
+        </p:spPr>
+        <p:style>
+          <a:lnRef idx="1">
+            <a:schemeClr val="accent1"/>
+          </a:lnRef>
+          <a:fillRef idx="0">
+            <a:schemeClr val="accent1"/>
+          </a:fillRef>
+          <a:effectRef idx="0">
+            <a:schemeClr val="accent1"/>
+          </a:effectRef>
+          <a:fontRef idx="minor">
+            <a:schemeClr val="tx1"/>
+          </a:fontRef>
+        </p:style>
+      </p:cxnSp>
+      <p:pic>
+        <p:nvPicPr>
+          <p:cNvPr id="71" name="Picture 70">
+            <a:extLst>
+              <a:ext uri="{FF2B5EF4-FFF2-40B4-BE49-F238E27FC236}">
+                <a16:creationId xmlns:a16="http://schemas.microsoft.com/office/drawing/2014/main" id="{D1E89745-466A-9459-E0E0-C404837992BC}"/>
+              </a:ext>
+            </a:extLst>
+          </p:cNvPr>
+          <p:cNvPicPr>
+            <a:picLocks noChangeAspect="1"/>
+          </p:cNvPicPr>
+          <p:nvPr/>
+        </p:nvPicPr>
+        <p:blipFill>
+          <a:blip r:embed="rId3"/>
+          <a:stretch>
+            <a:fillRect/>
+          </a:stretch>
+        </p:blipFill>
+        <p:spPr>
+          <a:xfrm>
+            <a:off x="9360625" y="3831871"/>
+            <a:ext cx="2429581" cy="2517397"/>
+          </a:xfrm>
+          <a:prstGeom prst="rect">
+            <a:avLst/>
+          </a:prstGeom>
+        </p:spPr>
+      </p:pic>
+      <p:cxnSp>
+        <p:nvCxnSpPr>
+          <p:cNvPr id="99" name="Straight Arrow Connector 98">
+            <a:extLst>
+              <a:ext uri="{FF2B5EF4-FFF2-40B4-BE49-F238E27FC236}">
+                <a16:creationId xmlns:a16="http://schemas.microsoft.com/office/drawing/2014/main" id="{EA878AB7-B034-5E9F-39B9-2EA9ABAA74AB}"/>
+              </a:ext>
+            </a:extLst>
+          </p:cNvPr>
+          <p:cNvCxnSpPr>
+            <a:cxnSpLocks/>
+          </p:cNvCxnSpPr>
+          <p:nvPr/>
+        </p:nvCxnSpPr>
+        <p:spPr>
+          <a:xfrm flipV="1">
+            <a:off x="9369812" y="3799969"/>
+            <a:ext cx="1542171" cy="206453"/>
+          </a:xfrm>
+          <a:prstGeom prst="straightConnector1">
+            <a:avLst/>
+          </a:prstGeom>
+          <a:ln w="38100">
+            <a:headEnd type="triangle" w="med" len="med"/>
+            <a:tailEnd type="triangle" w="med" len="med"/>
+          </a:ln>
+        </p:spPr>
+        <p:style>
+          <a:lnRef idx="1">
+            <a:schemeClr val="accent1"/>
+          </a:lnRef>
+          <a:fillRef idx="0">
+            <a:schemeClr val="accent1"/>
+          </a:fillRef>
+          <a:effectRef idx="0">
+            <a:schemeClr val="accent1"/>
+          </a:effectRef>
+          <a:fontRef idx="minor">
+            <a:schemeClr val="tx1"/>
+          </a:fontRef>
+        </p:style>
+      </p:cxnSp>
+      <p:cxnSp>
+        <p:nvCxnSpPr>
+          <p:cNvPr id="102" name="Straight Arrow Connector 101">
+            <a:extLst>
+              <a:ext uri="{FF2B5EF4-FFF2-40B4-BE49-F238E27FC236}">
+                <a16:creationId xmlns:a16="http://schemas.microsoft.com/office/drawing/2014/main" id="{DA5CFF2B-E236-F7CF-2DC0-72FAC12353D6}"/>
+              </a:ext>
+            </a:extLst>
+          </p:cNvPr>
+          <p:cNvCxnSpPr>
+            <a:cxnSpLocks/>
+          </p:cNvCxnSpPr>
+          <p:nvPr/>
+        </p:nvCxnSpPr>
+        <p:spPr>
+          <a:xfrm>
+            <a:off x="9369812" y="4023035"/>
+            <a:ext cx="0" cy="1739445"/>
+          </a:xfrm>
+          <a:prstGeom prst="straightConnector1">
+            <a:avLst/>
+          </a:prstGeom>
+          <a:ln w="38100">
+            <a:headEnd type="triangle" w="med" len="med"/>
+            <a:tailEnd type="triangle" w="med" len="med"/>
+          </a:ln>
+        </p:spPr>
+        <p:style>
+          <a:lnRef idx="1">
+            <a:schemeClr val="accent1"/>
+          </a:lnRef>
+          <a:fillRef idx="0">
+            <a:schemeClr val="accent1"/>
+          </a:fillRef>
+          <a:effectRef idx="0">
+            <a:schemeClr val="accent1"/>
+          </a:effectRef>
+          <a:fontRef idx="minor">
+            <a:schemeClr val="tx1"/>
+          </a:fontRef>
+        </p:style>
+      </p:cxnSp>
+      <p:cxnSp>
+        <p:nvCxnSpPr>
+          <p:cNvPr id="105" name="Straight Arrow Connector 104">
+            <a:extLst>
+              <a:ext uri="{FF2B5EF4-FFF2-40B4-BE49-F238E27FC236}">
+                <a16:creationId xmlns:a16="http://schemas.microsoft.com/office/drawing/2014/main" id="{58C5AE38-F2E8-1AF7-ADE8-1DB63513851F}"/>
+              </a:ext>
+            </a:extLst>
+          </p:cNvPr>
+          <p:cNvCxnSpPr>
+            <a:cxnSpLocks/>
+          </p:cNvCxnSpPr>
+          <p:nvPr/>
+        </p:nvCxnSpPr>
+        <p:spPr>
+          <a:xfrm flipH="1" flipV="1">
+            <a:off x="9360625" y="5790931"/>
+            <a:ext cx="666284" cy="537234"/>
+          </a:xfrm>
+          <a:prstGeom prst="straightConnector1">
+            <a:avLst/>
+          </a:prstGeom>
+          <a:ln w="38100">
+            <a:headEnd type="triangle" w="med" len="med"/>
+            <a:tailEnd type="triangle" w="med" len="med"/>
+          </a:ln>
+        </p:spPr>
+        <p:style>
+          <a:lnRef idx="1">
+            <a:schemeClr val="accent1"/>
+          </a:lnRef>
+          <a:fillRef idx="0">
+            <a:schemeClr val="accent1"/>
+          </a:fillRef>
+          <a:effectRef idx="0">
+            <a:schemeClr val="accent1"/>
+          </a:effectRef>
+          <a:fontRef idx="minor">
+            <a:schemeClr val="tx1"/>
+          </a:fontRef>
+        </p:style>
+      </p:cxnSp>
+      <p:sp>
+        <p:nvSpPr>
+          <p:cNvPr id="109" name="TextBox 108">
+            <a:extLst>
+              <a:ext uri="{FF2B5EF4-FFF2-40B4-BE49-F238E27FC236}">
+                <a16:creationId xmlns:a16="http://schemas.microsoft.com/office/drawing/2014/main" id="{32C96EFE-1DC1-C024-8FCF-1FB41F63DAFF}"/>
+              </a:ext>
+            </a:extLst>
+          </p:cNvPr>
+          <p:cNvSpPr txBox="1"/>
+          <p:nvPr/>
+        </p:nvSpPr>
+        <p:spPr>
+          <a:xfrm rot="21198427">
+            <a:off x="9671394" y="3505577"/>
+            <a:ext cx="854721" cy="400110"/>
+          </a:xfrm>
+          <a:prstGeom prst="rect">
+            <a:avLst/>
+          </a:prstGeom>
+          <a:noFill/>
+        </p:spPr>
+        <p:txBody>
+          <a:bodyPr wrap="none" rtlCol="0">
+            <a:spAutoFit/>
+          </a:bodyPr>
+          <a:lstStyle/>
+          <a:p>
+            <a:r>
+              <a:rPr lang="en-US" sz="2000" dirty="0">
+                <a:solidFill>
+                  <a:schemeClr val="accent1">
+                    <a:lumMod val="75000"/>
+                  </a:schemeClr>
+                </a:solidFill>
+              </a:rPr>
+              <a:t>33mm</a:t>
+            </a:r>
+          </a:p>
+        </p:txBody>
+      </p:sp>
+      <p:sp>
+        <p:nvSpPr>
+          <p:cNvPr id="110" name="TextBox 109">
+            <a:extLst>
+              <a:ext uri="{FF2B5EF4-FFF2-40B4-BE49-F238E27FC236}">
+                <a16:creationId xmlns:a16="http://schemas.microsoft.com/office/drawing/2014/main" id="{FDBC9252-A406-C4B6-8993-A1288A9F2A24}"/>
+              </a:ext>
+            </a:extLst>
+          </p:cNvPr>
+          <p:cNvSpPr txBox="1"/>
+          <p:nvPr/>
+        </p:nvSpPr>
+        <p:spPr>
+          <a:xfrm rot="16200000">
+            <a:off x="8755429" y="4747164"/>
+            <a:ext cx="854721" cy="400110"/>
+          </a:xfrm>
+          <a:prstGeom prst="rect">
+            <a:avLst/>
+          </a:prstGeom>
+          <a:noFill/>
+        </p:spPr>
+        <p:txBody>
+          <a:bodyPr wrap="none" rtlCol="0">
+            <a:spAutoFit/>
+          </a:bodyPr>
+          <a:lstStyle/>
+          <a:p>
+            <a:r>
+              <a:rPr lang="en-US" sz="2000" dirty="0">
+                <a:solidFill>
+                  <a:schemeClr val="accent1">
+                    <a:lumMod val="75000"/>
+                  </a:schemeClr>
+                </a:solidFill>
+              </a:rPr>
+              <a:t>33mm</a:t>
+            </a:r>
+          </a:p>
+        </p:txBody>
+      </p:sp>
+      <p:sp>
+        <p:nvSpPr>
+          <p:cNvPr id="111" name="TextBox 110">
+            <a:extLst>
+              <a:ext uri="{FF2B5EF4-FFF2-40B4-BE49-F238E27FC236}">
+                <a16:creationId xmlns:a16="http://schemas.microsoft.com/office/drawing/2014/main" id="{E01321EF-CBDA-0594-ECF3-3AA892E73E4E}"/>
+              </a:ext>
+            </a:extLst>
+          </p:cNvPr>
+          <p:cNvSpPr txBox="1"/>
+          <p:nvPr/>
+        </p:nvSpPr>
+        <p:spPr>
+          <a:xfrm rot="2317042">
+            <a:off x="9132184" y="6029344"/>
+            <a:ext cx="854721" cy="400110"/>
+          </a:xfrm>
+          <a:prstGeom prst="rect">
+            <a:avLst/>
+          </a:prstGeom>
+          <a:noFill/>
+        </p:spPr>
+        <p:txBody>
+          <a:bodyPr wrap="none" rtlCol="0">
+            <a:spAutoFit/>
+          </a:bodyPr>
+          <a:lstStyle/>
+          <a:p>
+            <a:r>
+              <a:rPr lang="en-US" sz="2000" dirty="0">
+                <a:solidFill>
+                  <a:schemeClr val="accent1">
+                    <a:lumMod val="75000"/>
+                  </a:schemeClr>
+                </a:solidFill>
+              </a:rPr>
+              <a:t>33mm</a:t>
             </a:r>
           </a:p>
         </p:txBody>
@@ -3912,6 +4271,36 @@
     <p:extLst>
       <p:ext uri="{BB962C8B-B14F-4D97-AF65-F5344CB8AC3E}">
         <p14:creationId xmlns:p14="http://schemas.microsoft.com/office/powerpoint/2010/main" val="1369145088"/>
+      </p:ext>
+    </p:extLst>
+  </p:cSld>
+  <p:clrMapOvr>
+    <a:masterClrMapping/>
+  </p:clrMapOvr>
+</p:sld>
+</file>
+
+<file path=ppt/slides/slide2.xml><?xml version="1.0" encoding="utf-8"?>
+<p:sld xmlns:a="http://schemas.openxmlformats.org/drawingml/2006/main" xmlns:r="http://schemas.openxmlformats.org/officeDocument/2006/relationships" xmlns:p="http://schemas.openxmlformats.org/presentationml/2006/main">
+  <p:cSld>
+    <p:spTree>
+      <p:nvGrpSpPr>
+        <p:cNvPr id="1" name=""/>
+        <p:cNvGrpSpPr/>
+        <p:nvPr/>
+      </p:nvGrpSpPr>
+      <p:grpSpPr>
+        <a:xfrm>
+          <a:off x="0" y="0"/>
+          <a:ext cx="0" cy="0"/>
+          <a:chOff x="0" y="0"/>
+          <a:chExt cx="0" cy="0"/>
+        </a:xfrm>
+      </p:grpSpPr>
+    </p:spTree>
+    <p:extLst>
+      <p:ext uri="{BB962C8B-B14F-4D97-AF65-F5344CB8AC3E}">
+        <p14:creationId xmlns:p14="http://schemas.microsoft.com/office/powerpoint/2010/main" val="3620673947"/>
       </p:ext>
     </p:extLst>
   </p:cSld>

--- a/Docs/digital_artifact.pptx
+++ b/Docs/digital_artifact.pptx
@@ -105,6 +105,11 @@
       </a:defRPr>
     </a:lvl9pPr>
   </p:defaultTextStyle>
+  <p:extLst>
+    <p:ext uri="{EFAFB233-063F-42B5-8137-9DF3F51BA10A}">
+      <p15:sldGuideLst xmlns:p15="http://schemas.microsoft.com/office/powerpoint/2012/main"/>
+    </p:ext>
+  </p:extLst>
 </p:presentation>
 </file>
 
@@ -255,7 +260,7 @@
           <a:p>
             <a:fld id="{C3929E5D-C828-4789-8374-6A5523201B52}" type="datetimeFigureOut">
               <a:rPr lang="en-US" smtClean="0"/>
-              <a:t>7/1/2024</a:t>
+              <a:t>7/2/24</a:t>
             </a:fld>
             <a:endParaRPr lang="en-US"/>
           </a:p>
@@ -453,7 +458,7 @@
           <a:p>
             <a:fld id="{C3929E5D-C828-4789-8374-6A5523201B52}" type="datetimeFigureOut">
               <a:rPr lang="en-US" smtClean="0"/>
-              <a:t>7/1/2024</a:t>
+              <a:t>7/2/24</a:t>
             </a:fld>
             <a:endParaRPr lang="en-US"/>
           </a:p>
@@ -661,7 +666,7 @@
           <a:p>
             <a:fld id="{C3929E5D-C828-4789-8374-6A5523201B52}" type="datetimeFigureOut">
               <a:rPr lang="en-US" smtClean="0"/>
-              <a:t>7/1/2024</a:t>
+              <a:t>7/2/24</a:t>
             </a:fld>
             <a:endParaRPr lang="en-US"/>
           </a:p>
@@ -859,7 +864,7 @@
           <a:p>
             <a:fld id="{C3929E5D-C828-4789-8374-6A5523201B52}" type="datetimeFigureOut">
               <a:rPr lang="en-US" smtClean="0"/>
-              <a:t>7/1/2024</a:t>
+              <a:t>7/2/24</a:t>
             </a:fld>
             <a:endParaRPr lang="en-US"/>
           </a:p>
@@ -1134,7 +1139,7 @@
           <a:p>
             <a:fld id="{C3929E5D-C828-4789-8374-6A5523201B52}" type="datetimeFigureOut">
               <a:rPr lang="en-US" smtClean="0"/>
-              <a:t>7/1/2024</a:t>
+              <a:t>7/2/24</a:t>
             </a:fld>
             <a:endParaRPr lang="en-US"/>
           </a:p>
@@ -1399,7 +1404,7 @@
           <a:p>
             <a:fld id="{C3929E5D-C828-4789-8374-6A5523201B52}" type="datetimeFigureOut">
               <a:rPr lang="en-US" smtClean="0"/>
-              <a:t>7/1/2024</a:t>
+              <a:t>7/2/24</a:t>
             </a:fld>
             <a:endParaRPr lang="en-US"/>
           </a:p>
@@ -1811,7 +1816,7 @@
           <a:p>
             <a:fld id="{C3929E5D-C828-4789-8374-6A5523201B52}" type="datetimeFigureOut">
               <a:rPr lang="en-US" smtClean="0"/>
-              <a:t>7/1/2024</a:t>
+              <a:t>7/2/24</a:t>
             </a:fld>
             <a:endParaRPr lang="en-US"/>
           </a:p>
@@ -1952,7 +1957,7 @@
           <a:p>
             <a:fld id="{C3929E5D-C828-4789-8374-6A5523201B52}" type="datetimeFigureOut">
               <a:rPr lang="en-US" smtClean="0"/>
-              <a:t>7/1/2024</a:t>
+              <a:t>7/2/24</a:t>
             </a:fld>
             <a:endParaRPr lang="en-US"/>
           </a:p>
@@ -2065,7 +2070,7 @@
           <a:p>
             <a:fld id="{C3929E5D-C828-4789-8374-6A5523201B52}" type="datetimeFigureOut">
               <a:rPr lang="en-US" smtClean="0"/>
-              <a:t>7/1/2024</a:t>
+              <a:t>7/2/24</a:t>
             </a:fld>
             <a:endParaRPr lang="en-US"/>
           </a:p>
@@ -2376,7 +2381,7 @@
           <a:p>
             <a:fld id="{C3929E5D-C828-4789-8374-6A5523201B52}" type="datetimeFigureOut">
               <a:rPr lang="en-US" smtClean="0"/>
-              <a:t>7/1/2024</a:t>
+              <a:t>7/2/24</a:t>
             </a:fld>
             <a:endParaRPr lang="en-US"/>
           </a:p>
@@ -2664,7 +2669,7 @@
           <a:p>
             <a:fld id="{C3929E5D-C828-4789-8374-6A5523201B52}" type="datetimeFigureOut">
               <a:rPr lang="en-US" smtClean="0"/>
-              <a:t>7/1/2024</a:t>
+              <a:t>7/2/24</a:t>
             </a:fld>
             <a:endParaRPr lang="en-US"/>
           </a:p>
@@ -2905,7 +2910,7 @@
           <a:p>
             <a:fld id="{C3929E5D-C828-4789-8374-6A5523201B52}" type="datetimeFigureOut">
               <a:rPr lang="en-US" smtClean="0"/>
-              <a:t>7/1/2024</a:t>
+              <a:t>7/2/24</a:t>
             </a:fld>
             <a:endParaRPr lang="en-US"/>
           </a:p>
@@ -3324,10 +3329,10 @@
       </p:grpSpPr>
       <p:pic>
         <p:nvPicPr>
-          <p:cNvPr id="51" name="Picture 50">
-            <a:extLst>
-              <a:ext uri="{FF2B5EF4-FFF2-40B4-BE49-F238E27FC236}">
-                <a16:creationId xmlns:a16="http://schemas.microsoft.com/office/drawing/2014/main" id="{1E969E9A-4D7C-BECA-5922-669DD91FB9D8}"/>
+          <p:cNvPr id="3" name="Picture 2">
+            <a:extLst>
+              <a:ext uri="{FF2B5EF4-FFF2-40B4-BE49-F238E27FC236}">
+                <a16:creationId xmlns:a16="http://schemas.microsoft.com/office/drawing/2014/main" id="{283AACDD-5FCB-38FB-31BC-99C75282DF3E}"/>
               </a:ext>
             </a:extLst>
           </p:cNvPr>
@@ -3344,8 +3349,8 @@
         </p:blipFill>
         <p:spPr>
           <a:xfrm>
-            <a:off x="3058086" y="352697"/>
-            <a:ext cx="5749255" cy="6152606"/>
+            <a:off x="3269395" y="235428"/>
+            <a:ext cx="5340097" cy="5898752"/>
           </a:xfrm>
           <a:prstGeom prst="rect">
             <a:avLst/>
@@ -3368,7 +3373,7 @@
         </p:nvCxnSpPr>
         <p:spPr>
           <a:xfrm>
-            <a:off x="2881560" y="1386839"/>
+            <a:off x="2881560" y="1283470"/>
             <a:ext cx="1184542" cy="485113"/>
           </a:xfrm>
           <a:prstGeom prst="straightConnector1">
@@ -3412,7 +3417,7 @@
         </p:nvCxnSpPr>
         <p:spPr>
           <a:xfrm>
-            <a:off x="2881560" y="1801583"/>
+            <a:off x="2878044" y="1741821"/>
             <a:ext cx="910221" cy="366776"/>
           </a:xfrm>
           <a:prstGeom prst="straightConnector1">
@@ -3546,8 +3551,8 @@
         </p:nvCxnSpPr>
         <p:spPr>
           <a:xfrm flipH="1">
-            <a:off x="7294693" y="2984749"/>
-            <a:ext cx="1692690" cy="1247705"/>
+            <a:off x="7461849" y="2862489"/>
+            <a:ext cx="1476898" cy="1175446"/>
           </a:xfrm>
           <a:prstGeom prst="straightConnector1">
             <a:avLst/>
@@ -3591,8 +3596,8 @@
         </p:nvCxnSpPr>
         <p:spPr>
           <a:xfrm flipH="1">
-            <a:off x="7671451" y="2512365"/>
-            <a:ext cx="1312416" cy="1002210"/>
+            <a:off x="7602759" y="2262730"/>
+            <a:ext cx="1335988" cy="1049005"/>
           </a:xfrm>
           <a:prstGeom prst="straightConnector1">
             <a:avLst/>
@@ -3677,7 +3682,7 @@
         </p:nvSpPr>
         <p:spPr>
           <a:xfrm>
-            <a:off x="628186" y="1146733"/>
+            <a:off x="628186" y="1043364"/>
             <a:ext cx="2253374" cy="400110"/>
           </a:xfrm>
           <a:prstGeom prst="rect">
@@ -3712,7 +3717,7 @@
         </p:nvSpPr>
         <p:spPr>
           <a:xfrm>
-            <a:off x="939618" y="1577745"/>
+            <a:off x="936102" y="1517983"/>
             <a:ext cx="1941942" cy="400110"/>
           </a:xfrm>
           <a:prstGeom prst="rect">
@@ -3852,8 +3857,8 @@
         </p:nvSpPr>
         <p:spPr>
           <a:xfrm>
-            <a:off x="8983867" y="2312310"/>
-            <a:ext cx="1038554" cy="400110"/>
+            <a:off x="8938747" y="2062675"/>
+            <a:ext cx="1817613" cy="400110"/>
           </a:xfrm>
           <a:prstGeom prst="rect">
             <a:avLst/>
@@ -3868,7 +3873,7 @@
           <a:p>
             <a:r>
               <a:rPr lang="en-US" sz="2000" dirty="0"/>
-              <a:t>Encoder</a:t>
+              <a:t>Mouse encoder</a:t>
             </a:r>
           </a:p>
         </p:txBody>
@@ -3887,7 +3892,7 @@
         </p:nvSpPr>
         <p:spPr>
           <a:xfrm>
-            <a:off x="8987383" y="2784694"/>
+            <a:off x="8938747" y="2662434"/>
             <a:ext cx="982770" cy="400110"/>
           </a:xfrm>
           <a:prstGeom prst="rect">
@@ -3922,7 +3927,7 @@
         </p:nvSpPr>
         <p:spPr>
           <a:xfrm>
-            <a:off x="8983867" y="1884846"/>
+            <a:off x="8938747" y="1480187"/>
             <a:ext cx="1414170" cy="400110"/>
           </a:xfrm>
           <a:prstGeom prst="rect">
@@ -3960,8 +3965,8 @@
         </p:nvCxnSpPr>
         <p:spPr>
           <a:xfrm flipH="1">
-            <a:off x="7913114" y="2084901"/>
-            <a:ext cx="1070753" cy="769333"/>
+            <a:off x="7794553" y="1680242"/>
+            <a:ext cx="1144194" cy="904147"/>
           </a:xfrm>
           <a:prstGeom prst="straightConnector1">
             <a:avLst/>
@@ -4010,7 +4015,7 @@
         </p:blipFill>
         <p:spPr>
           <a:xfrm>
-            <a:off x="9360625" y="3831871"/>
+            <a:off x="9034921" y="3633644"/>
             <a:ext cx="2429581" cy="2517397"/>
           </a:xfrm>
           <a:prstGeom prst="rect">
@@ -4034,7 +4039,7 @@
         </p:nvCxnSpPr>
         <p:spPr>
           <a:xfrm flipV="1">
-            <a:off x="9369812" y="3799969"/>
+            <a:off x="9044108" y="3601742"/>
             <a:ext cx="1542171" cy="206453"/>
           </a:xfrm>
           <a:prstGeom prst="straightConnector1">
@@ -4076,7 +4081,7 @@
         </p:nvCxnSpPr>
         <p:spPr>
           <a:xfrm>
-            <a:off x="9369812" y="4023035"/>
+            <a:off x="9044108" y="3824808"/>
             <a:ext cx="0" cy="1739445"/>
           </a:xfrm>
           <a:prstGeom prst="straightConnector1">
@@ -4118,7 +4123,7 @@
         </p:nvCxnSpPr>
         <p:spPr>
           <a:xfrm flipH="1" flipV="1">
-            <a:off x="9360625" y="5790931"/>
+            <a:off x="9034921" y="5592704"/>
             <a:ext cx="666284" cy="537234"/>
           </a:xfrm>
           <a:prstGeom prst="straightConnector1">
@@ -4157,8 +4162,8 @@
           <p:nvPr/>
         </p:nvSpPr>
         <p:spPr>
-          <a:xfrm rot="21198427">
-            <a:off x="9671394" y="3505577"/>
+          <a:xfrm rot="21113462">
+            <a:off x="9319395" y="3294825"/>
             <a:ext cx="854721" cy="400110"/>
           </a:xfrm>
           <a:prstGeom prst="rect">
@@ -4199,7 +4204,7 @@
         </p:nvSpPr>
         <p:spPr>
           <a:xfrm rot="16200000">
-            <a:off x="8755429" y="4747164"/>
+            <a:off x="8429725" y="4548937"/>
             <a:ext cx="854721" cy="400110"/>
           </a:xfrm>
           <a:prstGeom prst="rect">
@@ -4240,7 +4245,7 @@
         </p:nvSpPr>
         <p:spPr>
           <a:xfrm rot="2317042">
-            <a:off x="9132184" y="6029344"/>
+            <a:off x="8806480" y="5831117"/>
             <a:ext cx="854721" cy="400110"/>
           </a:xfrm>
           <a:prstGeom prst="rect">
